--- a/iOS-Security.pptx
+++ b/iOS-Security.pptx
@@ -3766,62 +3766,62 @@
     </dgm:pt>
   </dgm:ptLst>
   <dgm:cxnLst>
+    <dgm:cxn modelId="{38EA3173-E5A1-CD48-A0D0-C519334E8036}" type="presOf" srcId="{391D1B75-EFCA-7D4E-A80D-EA167B5ED2D2}" destId="{C97AC8C6-482B-3346-8C46-71C17B968474}" srcOrd="1" destOrd="0" presId="urn:microsoft.com/office/officeart/2005/8/layout/orgChart1"/>
+    <dgm:cxn modelId="{9E07AEE8-FFA3-4543-8AB8-91D3392FF969}" type="presOf" srcId="{A39A43F2-6541-384A-BF01-8CC0A6819024}" destId="{C6FC0F94-FF37-ED4A-A4F8-4714837509ED}" srcOrd="0" destOrd="0" presId="urn:microsoft.com/office/officeart/2005/8/layout/orgChart1"/>
+    <dgm:cxn modelId="{0B992845-46D0-3A45-97E9-71BB1974B346}" type="presOf" srcId="{DB05E2C3-394E-4B48-8371-0E81853F9C51}" destId="{8A45CDDE-496B-9449-B141-CA074D46A85A}" srcOrd="0" destOrd="0" presId="urn:microsoft.com/office/officeart/2005/8/layout/orgChart1"/>
+    <dgm:cxn modelId="{A8488373-1D4D-904F-A02F-CFD79FC9391D}" type="presOf" srcId="{9674111E-87EE-E441-B2FD-C60A4B5B9E2C}" destId="{F6FC3A29-FEA3-014D-8B8C-A4BEC6BAF223}" srcOrd="1" destOrd="0" presId="urn:microsoft.com/office/officeart/2005/8/layout/orgChart1"/>
+    <dgm:cxn modelId="{2B764DD0-ED46-024B-AD5D-B7C45C070633}" srcId="{0AD2B4C2-B7D6-044D-A913-9E27295AC7B3}" destId="{A39A43F2-6541-384A-BF01-8CC0A6819024}" srcOrd="1" destOrd="0" parTransId="{CAD40881-8CD5-B348-B6D8-3C8AF19BD4D9}" sibTransId="{24C432A7-1DB5-4041-948B-4948F8FBFAC7}"/>
+    <dgm:cxn modelId="{3428678C-0BAC-0E42-BFE3-DC90F58AC9B5}" type="presOf" srcId="{0AD2B4C2-B7D6-044D-A913-9E27295AC7B3}" destId="{B8192E39-E419-A446-A2AE-1354FF536B71}" srcOrd="1" destOrd="0" presId="urn:microsoft.com/office/officeart/2005/8/layout/orgChart1"/>
+    <dgm:cxn modelId="{A74809A4-4936-9F42-B5F9-1380DCE66FEF}" srcId="{A39A43F2-6541-384A-BF01-8CC0A6819024}" destId="{FB2D6BC0-033E-1140-AAAE-8C7E6B0DC726}" srcOrd="0" destOrd="0" parTransId="{B26034E8-F3CA-7D4A-87B6-D4A95CA6AC0C}" sibTransId="{8DF60F1F-894E-7B44-9D23-CD94E3AD20E1}"/>
+    <dgm:cxn modelId="{8332B98A-4298-9C4E-BA4F-F6CEA5AD09FF}" type="presOf" srcId="{F6642A84-DD86-444C-973D-09BA5EEFBDC2}" destId="{380C93AF-3D01-7B4D-A4C0-B5C0BEE17C9E}" srcOrd="0" destOrd="0" presId="urn:microsoft.com/office/officeart/2005/8/layout/orgChart1"/>
+    <dgm:cxn modelId="{0F297A82-32F2-734C-AA60-1AC108645C57}" type="presOf" srcId="{F31C04CC-31D0-FC4C-A557-46327019A08E}" destId="{7D2157EE-0693-554F-A6C6-F9BEDBF4DE4D}" srcOrd="0" destOrd="0" presId="urn:microsoft.com/office/officeart/2005/8/layout/orgChart1"/>
+    <dgm:cxn modelId="{2EFDF559-6693-E144-AF77-7CA306EE505C}" type="presOf" srcId="{1C4AF516-0CF2-644D-9C76-742D95A78B8F}" destId="{0CB9E6A8-38A5-ED4B-9062-21DEDB3859CB}" srcOrd="0" destOrd="0" presId="urn:microsoft.com/office/officeart/2005/8/layout/orgChart1"/>
+    <dgm:cxn modelId="{CEF49EBB-BA98-8B45-BBA6-400B492AD7B2}" type="presOf" srcId="{B2ACEF10-9A8F-044F-B446-D1EAE75C2E33}" destId="{EB038D4C-638C-334A-AEFD-1C939C0342BF}" srcOrd="0" destOrd="0" presId="urn:microsoft.com/office/officeart/2005/8/layout/orgChart1"/>
+    <dgm:cxn modelId="{029C1BF2-33BF-C742-8EBA-2C29CEC77199}" type="presOf" srcId="{36C1C073-E518-2943-ADCC-0DC5AD5FD7FE}" destId="{0EF8B922-60FC-714A-9CB5-342AD850D05B}" srcOrd="0" destOrd="0" presId="urn:microsoft.com/office/officeart/2005/8/layout/orgChart1"/>
+    <dgm:cxn modelId="{16FE1B67-3CC1-C542-B9DE-3C172442ADCF}" srcId="{51F2D560-8304-F646-B591-0DE9D8F2D217}" destId="{1985E6B4-A73C-EA4B-8A07-360B02AF6383}" srcOrd="0" destOrd="0" parTransId="{69260255-2576-884E-8133-E6E008300E94}" sibTransId="{4BDF5F88-6C67-E843-BB06-37EE59CC6B71}"/>
+    <dgm:cxn modelId="{37058065-AFDF-824B-8594-0F36F41A0018}" type="presOf" srcId="{DB8014E0-4506-6B4F-ACFC-1667C6EBAC9D}" destId="{02E92A5A-C281-2E4E-AD2A-CAA04DB42F41}" srcOrd="1" destOrd="0" presId="urn:microsoft.com/office/officeart/2005/8/layout/orgChart1"/>
+    <dgm:cxn modelId="{FD90C29E-682D-BC4F-AE0E-EFB60D189AF0}" type="presOf" srcId="{B26034E8-F3CA-7D4A-87B6-D4A95CA6AC0C}" destId="{5DB3BC99-6FBB-8F4E-A6BB-B3C1780BAEDF}" srcOrd="0" destOrd="0" presId="urn:microsoft.com/office/officeart/2005/8/layout/orgChart1"/>
+    <dgm:cxn modelId="{4B4A8067-F250-4943-AAEB-11045732004E}" type="presOf" srcId="{7C18F96B-FDC7-7048-92CC-915B70F33199}" destId="{024165E8-F6DE-D34D-900F-DAF11FA4F45F}" srcOrd="0" destOrd="0" presId="urn:microsoft.com/office/officeart/2005/8/layout/orgChart1"/>
+    <dgm:cxn modelId="{0ABDC3C3-8DD2-B34B-B51D-B0BB33A43B95}" type="presOf" srcId="{DB8014E0-4506-6B4F-ACFC-1667C6EBAC9D}" destId="{13EF35AE-1049-494E-9DCF-64DC506C3FB1}" srcOrd="0" destOrd="0" presId="urn:microsoft.com/office/officeart/2005/8/layout/orgChart1"/>
+    <dgm:cxn modelId="{E9AFDAC6-EDA8-FD4F-977E-8385F81C2217}" type="presOf" srcId="{36C1C073-E518-2943-ADCC-0DC5AD5FD7FE}" destId="{94C63117-A25E-7740-A860-D7A9B7B8F992}" srcOrd="1" destOrd="0" presId="urn:microsoft.com/office/officeart/2005/8/layout/orgChart1"/>
+    <dgm:cxn modelId="{6E6B6A44-23B5-B946-BCD0-63B708DA2A29}" type="presOf" srcId="{CAD40881-8CD5-B348-B6D8-3C8AF19BD4D9}" destId="{F4AAD656-CB09-8C44-BD6E-62D96D56EE01}" srcOrd="0" destOrd="0" presId="urn:microsoft.com/office/officeart/2005/8/layout/orgChart1"/>
+    <dgm:cxn modelId="{3F09E086-134F-B549-8362-7F614098108B}" type="presOf" srcId="{8CB8F304-D79A-7D40-8E44-DA6F9FFE05C0}" destId="{C8731741-F4E8-E641-BC4B-930D9CDA0E30}" srcOrd="0" destOrd="0" presId="urn:microsoft.com/office/officeart/2005/8/layout/orgChart1"/>
+    <dgm:cxn modelId="{E163893C-030F-AD4D-B58D-DCE86027FC20}" type="presOf" srcId="{EB87194C-5010-104A-A121-6AB96F01DC99}" destId="{A43507C3-3B53-4845-ACEB-AA41D3E57356}" srcOrd="1" destOrd="0" presId="urn:microsoft.com/office/officeart/2005/8/layout/orgChart1"/>
+    <dgm:cxn modelId="{EB9E9244-0E2C-F34D-98D5-DED164E55507}" type="presOf" srcId="{549C73FE-84D5-0249-BFBD-DED60BE4D65D}" destId="{ABA8BBA7-8648-A443-B097-17881BF24270}" srcOrd="0" destOrd="0" presId="urn:microsoft.com/office/officeart/2005/8/layout/orgChart1"/>
+    <dgm:cxn modelId="{1381155E-EFFD-4C42-BBE7-D55EB8A41AFF}" type="presOf" srcId="{F31C04CC-31D0-FC4C-A557-46327019A08E}" destId="{A90B1446-CD50-C74B-AE56-F569A1C89C10}" srcOrd="1" destOrd="0" presId="urn:microsoft.com/office/officeart/2005/8/layout/orgChart1"/>
     <dgm:cxn modelId="{EE78B2B2-2836-184B-8897-A464801C2D5D}" srcId="{391D1B75-EFCA-7D4E-A80D-EA167B5ED2D2}" destId="{B2ACEF10-9A8F-044F-B446-D1EAE75C2E33}" srcOrd="0" destOrd="0" parTransId="{F6674FFE-9065-6B4E-AA45-40879E16D4E6}" sibTransId="{241A895C-D661-614A-9A11-6442936E00AA}"/>
-    <dgm:cxn modelId="{41AF4373-4ED1-8646-ACFA-C89332E2751E}" type="presOf" srcId="{A39A43F2-6541-384A-BF01-8CC0A6819024}" destId="{752E13FD-D234-DB47-A3FF-4479A0FA1481}" srcOrd="1" destOrd="0" presId="urn:microsoft.com/office/officeart/2005/8/layout/orgChart1"/>
-    <dgm:cxn modelId="{2DECED44-D5A1-4E4D-871F-503664B8C57B}" type="presOf" srcId="{51F2D560-8304-F646-B591-0DE9D8F2D217}" destId="{C99FC69B-B654-474F-81CF-86BA2B68D845}" srcOrd="1" destOrd="0" presId="urn:microsoft.com/office/officeart/2005/8/layout/orgChart1"/>
-    <dgm:cxn modelId="{AB6CABCA-F87C-1147-ACDC-037BCEE40D1E}" type="presOf" srcId="{03482D46-4D0E-2E4C-B2C2-B0777E157AF7}" destId="{7BDC2C64-B118-8E4A-9071-16293D6FC333}" srcOrd="0" destOrd="0" presId="urn:microsoft.com/office/officeart/2005/8/layout/orgChart1"/>
-    <dgm:cxn modelId="{326EA8C9-A650-5B49-9C70-9968AE279D29}" type="presOf" srcId="{A7685507-E89E-2441-8C4E-41A42EA263CF}" destId="{E1F77CBD-A51F-4C4A-B8C3-973EAC190027}" srcOrd="0" destOrd="0" presId="urn:microsoft.com/office/officeart/2005/8/layout/orgChart1"/>
-    <dgm:cxn modelId="{0ABDC3C3-8DD2-B34B-B51D-B0BB33A43B95}" type="presOf" srcId="{DB8014E0-4506-6B4F-ACFC-1667C6EBAC9D}" destId="{13EF35AE-1049-494E-9DCF-64DC506C3FB1}" srcOrd="0" destOrd="0" presId="urn:microsoft.com/office/officeart/2005/8/layout/orgChart1"/>
-    <dgm:cxn modelId="{C69DA8B4-CF47-1A47-AB5E-69CB7E830E68}" type="presOf" srcId="{51F2D560-8304-F646-B591-0DE9D8F2D217}" destId="{33C47C80-6231-0746-A6A2-4C1DDE049BEC}" srcOrd="0" destOrd="0" presId="urn:microsoft.com/office/officeart/2005/8/layout/orgChart1"/>
-    <dgm:cxn modelId="{16FE1B67-3CC1-C542-B9DE-3C172442ADCF}" srcId="{51F2D560-8304-F646-B591-0DE9D8F2D217}" destId="{1985E6B4-A73C-EA4B-8A07-360B02AF6383}" srcOrd="0" destOrd="0" parTransId="{69260255-2576-884E-8133-E6E008300E94}" sibTransId="{4BDF5F88-6C67-E843-BB06-37EE59CC6B71}"/>
-    <dgm:cxn modelId="{E9AFDAC6-EDA8-FD4F-977E-8385F81C2217}" type="presOf" srcId="{36C1C073-E518-2943-ADCC-0DC5AD5FD7FE}" destId="{94C63117-A25E-7740-A860-D7A9B7B8F992}" srcOrd="1" destOrd="0" presId="urn:microsoft.com/office/officeart/2005/8/layout/orgChart1"/>
-    <dgm:cxn modelId="{E4972AF8-1F82-0D43-A575-CF3C4FA46016}" type="presOf" srcId="{D36F5188-A98E-564B-8FEA-695D9BA68759}" destId="{E42F66D7-812C-2945-868C-3A70E0535206}" srcOrd="0" destOrd="0" presId="urn:microsoft.com/office/officeart/2005/8/layout/orgChart1"/>
-    <dgm:cxn modelId="{9E07AEE8-FFA3-4543-8AB8-91D3392FF969}" type="presOf" srcId="{A39A43F2-6541-384A-BF01-8CC0A6819024}" destId="{C6FC0F94-FF37-ED4A-A4F8-4714837509ED}" srcOrd="0" destOrd="0" presId="urn:microsoft.com/office/officeart/2005/8/layout/orgChart1"/>
-    <dgm:cxn modelId="{5F4669F2-4266-2743-8EC6-C5FBAD99F4F4}" type="presOf" srcId="{FB2D6BC0-033E-1140-AAAE-8C7E6B0DC726}" destId="{54FA4C23-CEDB-D64B-A28E-791BEF1C05FA}" srcOrd="0" destOrd="0" presId="urn:microsoft.com/office/officeart/2005/8/layout/orgChart1"/>
-    <dgm:cxn modelId="{0F297A82-32F2-734C-AA60-1AC108645C57}" type="presOf" srcId="{F31C04CC-31D0-FC4C-A557-46327019A08E}" destId="{7D2157EE-0693-554F-A6C6-F9BEDBF4DE4D}" srcOrd="0" destOrd="0" presId="urn:microsoft.com/office/officeart/2005/8/layout/orgChart1"/>
-    <dgm:cxn modelId="{8332B98A-4298-9C4E-BA4F-F6CEA5AD09FF}" type="presOf" srcId="{F6642A84-DD86-444C-973D-09BA5EEFBDC2}" destId="{380C93AF-3D01-7B4D-A4C0-B5C0BEE17C9E}" srcOrd="0" destOrd="0" presId="urn:microsoft.com/office/officeart/2005/8/layout/orgChart1"/>
-    <dgm:cxn modelId="{17A6C1B7-674F-BE44-9929-734F1A9D7407}" srcId="{51F2D560-8304-F646-B591-0DE9D8F2D217}" destId="{63716195-A5E5-694E-BA03-E311093603EB}" srcOrd="1" destOrd="0" parTransId="{A7685507-E89E-2441-8C4E-41A42EA263CF}" sibTransId="{FC42ACA7-ACE9-454F-9B43-9C6082CEFAA6}"/>
-    <dgm:cxn modelId="{4ACD89E2-B7FB-0C40-BD12-E2930A35896C}" srcId="{0AD2B4C2-B7D6-044D-A913-9E27295AC7B3}" destId="{391D1B75-EFCA-7D4E-A80D-EA167B5ED2D2}" srcOrd="0" destOrd="0" parTransId="{03482D46-4D0E-2E4C-B2C2-B0777E157AF7}" sibTransId="{B9587366-6D14-304D-A26D-F1B17B65BA95}"/>
-    <dgm:cxn modelId="{D04E9DAC-E8CD-EA4F-A95B-AE9039E29241}" type="presOf" srcId="{63716195-A5E5-694E-BA03-E311093603EB}" destId="{27D28969-E5E4-E94F-8075-A737A2DF256A}" srcOrd="0" destOrd="0" presId="urn:microsoft.com/office/officeart/2005/8/layout/orgChart1"/>
-    <dgm:cxn modelId="{46E02238-5086-8F45-95CF-8E17049CE45E}" type="presOf" srcId="{EB87194C-5010-104A-A121-6AB96F01DC99}" destId="{713CB52A-37B2-D94A-AA68-2AAC068A2A45}" srcOrd="0" destOrd="0" presId="urn:microsoft.com/office/officeart/2005/8/layout/orgChart1"/>
-    <dgm:cxn modelId="{A74809A4-4936-9F42-B5F9-1380DCE66FEF}" srcId="{A39A43F2-6541-384A-BF01-8CC0A6819024}" destId="{FB2D6BC0-033E-1140-AAAE-8C7E6B0DC726}" srcOrd="0" destOrd="0" parTransId="{B26034E8-F3CA-7D4A-87B6-D4A95CA6AC0C}" sibTransId="{8DF60F1F-894E-7B44-9D23-CD94E3AD20E1}"/>
-    <dgm:cxn modelId="{CC6B0709-8822-144D-94F2-A2AA2B0E9D03}" type="presOf" srcId="{4D880B2C-540A-9845-92F5-5CE8E3E0F0C8}" destId="{FB587DBB-BABE-324B-A37C-8C643239A82F}" srcOrd="0" destOrd="0" presId="urn:microsoft.com/office/officeart/2005/8/layout/orgChart1"/>
-    <dgm:cxn modelId="{CD06B556-937B-F345-ACFD-25084E88C3D5}" srcId="{F6642A84-DD86-444C-973D-09BA5EEFBDC2}" destId="{0AD2B4C2-B7D6-044D-A913-9E27295AC7B3}" srcOrd="0" destOrd="0" parTransId="{7D45103A-6C65-AC4A-BDF9-BC4A7AA46E1C}" sibTransId="{8F099856-BB6C-7340-9726-C2EA584F2347}"/>
-    <dgm:cxn modelId="{115C8605-DBAE-114A-9B2D-D4FA670332BB}" type="presOf" srcId="{1985E6B4-A73C-EA4B-8A07-360B02AF6383}" destId="{F1C6F078-05C7-6743-9FD8-6DC259EC9DE8}" srcOrd="0" destOrd="0" presId="urn:microsoft.com/office/officeart/2005/8/layout/orgChart1"/>
-    <dgm:cxn modelId="{7118F880-2778-5F40-8683-1B93133920B3}" type="presOf" srcId="{B2ACEF10-9A8F-044F-B446-D1EAE75C2E33}" destId="{31C0A76E-0E31-A046-BA7A-0BA953105C27}" srcOrd="1" destOrd="0" presId="urn:microsoft.com/office/officeart/2005/8/layout/orgChart1"/>
     <dgm:cxn modelId="{84DDABAD-8E45-D54F-9596-C7440CA68269}" type="presOf" srcId="{63716195-A5E5-694E-BA03-E311093603EB}" destId="{CA7543DF-E651-4D4A-92E6-BA7D389296CD}" srcOrd="1" destOrd="0" presId="urn:microsoft.com/office/officeart/2005/8/layout/orgChart1"/>
     <dgm:cxn modelId="{9931B512-16D2-C444-A14E-E89E975582A4}" type="presOf" srcId="{1985E6B4-A73C-EA4B-8A07-360B02AF6383}" destId="{FC0E4AB7-D963-2045-9037-334791811FF8}" srcOrd="1" destOrd="0" presId="urn:microsoft.com/office/officeart/2005/8/layout/orgChart1"/>
-    <dgm:cxn modelId="{2B764DD0-ED46-024B-AD5D-B7C45C070633}" srcId="{0AD2B4C2-B7D6-044D-A913-9E27295AC7B3}" destId="{A39A43F2-6541-384A-BF01-8CC0A6819024}" srcOrd="1" destOrd="0" parTransId="{CAD40881-8CD5-B348-B6D8-3C8AF19BD4D9}" sibTransId="{24C432A7-1DB5-4041-948B-4948F8FBFAC7}"/>
-    <dgm:cxn modelId="{4B4A8067-F250-4943-AAEB-11045732004E}" type="presOf" srcId="{7C18F96B-FDC7-7048-92CC-915B70F33199}" destId="{024165E8-F6DE-D34D-900F-DAF11FA4F45F}" srcOrd="0" destOrd="0" presId="urn:microsoft.com/office/officeart/2005/8/layout/orgChart1"/>
+    <dgm:cxn modelId="{E4972AF8-1F82-0D43-A575-CF3C4FA46016}" type="presOf" srcId="{D36F5188-A98E-564B-8FEA-695D9BA68759}" destId="{E42F66D7-812C-2945-868C-3A70E0535206}" srcOrd="0" destOrd="0" presId="urn:microsoft.com/office/officeart/2005/8/layout/orgChart1"/>
+    <dgm:cxn modelId="{6FB7B1A7-3A9A-C345-A26C-971E46AD33B2}" type="presOf" srcId="{0AD2B4C2-B7D6-044D-A913-9E27295AC7B3}" destId="{22B80327-E9D2-B84F-9016-B91AE529834D}" srcOrd="0" destOrd="0" presId="urn:microsoft.com/office/officeart/2005/8/layout/orgChart1"/>
+    <dgm:cxn modelId="{17A6C1B7-674F-BE44-9929-734F1A9D7407}" srcId="{51F2D560-8304-F646-B591-0DE9D8F2D217}" destId="{63716195-A5E5-694E-BA03-E311093603EB}" srcOrd="1" destOrd="0" parTransId="{A7685507-E89E-2441-8C4E-41A42EA263CF}" sibTransId="{FC42ACA7-ACE9-454F-9B43-9C6082CEFAA6}"/>
+    <dgm:cxn modelId="{C750E055-85FE-4B4D-8857-5B87686D0E19}" srcId="{A39A43F2-6541-384A-BF01-8CC0A6819024}" destId="{EB87194C-5010-104A-A121-6AB96F01DC99}" srcOrd="2" destOrd="0" parTransId="{DB05E2C3-394E-4B48-8371-0E81853F9C51}" sibTransId="{BA90D790-4498-EF4D-B15E-8D0273A89062}"/>
+    <dgm:cxn modelId="{34715DE6-7BB5-3841-A97B-5D64B6526E0D}" srcId="{0AD2B4C2-B7D6-044D-A913-9E27295AC7B3}" destId="{9674111E-87EE-E441-B2FD-C60A4B5B9E2C}" srcOrd="3" destOrd="0" parTransId="{7C18F96B-FDC7-7048-92CC-915B70F33199}" sibTransId="{E50F6FE5-CC24-ED43-80D0-D538584707DF}"/>
+    <dgm:cxn modelId="{C69DA8B4-CF47-1A47-AB5E-69CB7E830E68}" type="presOf" srcId="{51F2D560-8304-F646-B591-0DE9D8F2D217}" destId="{33C47C80-6231-0746-A6A2-4C1DDE049BEC}" srcOrd="0" destOrd="0" presId="urn:microsoft.com/office/officeart/2005/8/layout/orgChart1"/>
+    <dgm:cxn modelId="{7C67040F-0056-354C-96EE-0ABDB7F10340}" type="presOf" srcId="{9674111E-87EE-E441-B2FD-C60A4B5B9E2C}" destId="{95030895-E3DD-5444-8C20-493E59433B79}" srcOrd="0" destOrd="0" presId="urn:microsoft.com/office/officeart/2005/8/layout/orgChart1"/>
+    <dgm:cxn modelId="{326EA8C9-A650-5B49-9C70-9968AE279D29}" type="presOf" srcId="{A7685507-E89E-2441-8C4E-41A42EA263CF}" destId="{E1F77CBD-A51F-4C4A-B8C3-973EAC190027}" srcOrd="0" destOrd="0" presId="urn:microsoft.com/office/officeart/2005/8/layout/orgChart1"/>
+    <dgm:cxn modelId="{9ADACE0F-1F0B-AB49-92B8-9CBD55ECC049}" type="presOf" srcId="{D00F35BA-DE35-854A-9A47-29EC82AF34C2}" destId="{94FC92BE-7FB7-E04C-B1A4-CA6C24D9E664}" srcOrd="0" destOrd="0" presId="urn:microsoft.com/office/officeart/2005/8/layout/orgChart1"/>
+    <dgm:cxn modelId="{D04E9DAC-E8CD-EA4F-A95B-AE9039E29241}" type="presOf" srcId="{63716195-A5E5-694E-BA03-E311093603EB}" destId="{27D28969-E5E4-E94F-8075-A737A2DF256A}" srcOrd="0" destOrd="0" presId="urn:microsoft.com/office/officeart/2005/8/layout/orgChart1"/>
+    <dgm:cxn modelId="{19D89794-1CF2-1D4D-ADFD-772C66C03DD3}" srcId="{9674111E-87EE-E441-B2FD-C60A4B5B9E2C}" destId="{36C1C073-E518-2943-ADCC-0DC5AD5FD7FE}" srcOrd="1" destOrd="0" parTransId="{1C4AF516-0CF2-644D-9C76-742D95A78B8F}" sibTransId="{811043DA-3B76-B641-984C-0BCD817B241A}"/>
+    <dgm:cxn modelId="{073551B0-99E3-E04A-8BED-DDD81D265D10}" srcId="{391D1B75-EFCA-7D4E-A80D-EA167B5ED2D2}" destId="{8CB8F304-D79A-7D40-8E44-DA6F9FFE05C0}" srcOrd="1" destOrd="0" parTransId="{549C73FE-84D5-0249-BFBD-DED60BE4D65D}" sibTransId="{2905700D-3F60-F443-A5CE-3F94EB745CE9}"/>
+    <dgm:cxn modelId="{4ACD89E2-B7FB-0C40-BD12-E2930A35896C}" srcId="{0AD2B4C2-B7D6-044D-A913-9E27295AC7B3}" destId="{391D1B75-EFCA-7D4E-A80D-EA167B5ED2D2}" srcOrd="0" destOrd="0" parTransId="{03482D46-4D0E-2E4C-B2C2-B0777E157AF7}" sibTransId="{B9587366-6D14-304D-A26D-F1B17B65BA95}"/>
     <dgm:cxn modelId="{779118C7-C447-9F49-B351-796C3A6BF15F}" type="presOf" srcId="{8CB8F304-D79A-7D40-8E44-DA6F9FFE05C0}" destId="{19D43581-564F-CA4A-9EA2-6E3415ACC295}" srcOrd="1" destOrd="0" presId="urn:microsoft.com/office/officeart/2005/8/layout/orgChart1"/>
-    <dgm:cxn modelId="{5F82438C-7705-F446-9341-D501A0819800}" type="presOf" srcId="{F6674FFE-9065-6B4E-AA45-40879E16D4E6}" destId="{0024D7C6-1FC0-0145-BEBF-9B56D95CB147}" srcOrd="0" destOrd="0" presId="urn:microsoft.com/office/officeart/2005/8/layout/orgChart1"/>
+    <dgm:cxn modelId="{AB6CABCA-F87C-1147-ACDC-037BCEE40D1E}" type="presOf" srcId="{03482D46-4D0E-2E4C-B2C2-B0777E157AF7}" destId="{7BDC2C64-B118-8E4A-9071-16293D6FC333}" srcOrd="0" destOrd="0" presId="urn:microsoft.com/office/officeart/2005/8/layout/orgChart1"/>
+    <dgm:cxn modelId="{CC6B0709-8822-144D-94F2-A2AA2B0E9D03}" type="presOf" srcId="{4D880B2C-540A-9845-92F5-5CE8E3E0F0C8}" destId="{FB587DBB-BABE-324B-A37C-8C643239A82F}" srcOrd="0" destOrd="0" presId="urn:microsoft.com/office/officeart/2005/8/layout/orgChart1"/>
+    <dgm:cxn modelId="{7118F880-2778-5F40-8683-1B93133920B3}" type="presOf" srcId="{B2ACEF10-9A8F-044F-B446-D1EAE75C2E33}" destId="{31C0A76E-0E31-A046-BA7A-0BA953105C27}" srcOrd="1" destOrd="0" presId="urn:microsoft.com/office/officeart/2005/8/layout/orgChart1"/>
+    <dgm:cxn modelId="{115C8605-DBAE-114A-9B2D-D4FA670332BB}" type="presOf" srcId="{1985E6B4-A73C-EA4B-8A07-360B02AF6383}" destId="{F1C6F078-05C7-6743-9FD8-6DC259EC9DE8}" srcOrd="0" destOrd="0" presId="urn:microsoft.com/office/officeart/2005/8/layout/orgChart1"/>
+    <dgm:cxn modelId="{2DECED44-D5A1-4E4D-871F-503664B8C57B}" type="presOf" srcId="{51F2D560-8304-F646-B591-0DE9D8F2D217}" destId="{C99FC69B-B654-474F-81CF-86BA2B68D845}" srcOrd="1" destOrd="0" presId="urn:microsoft.com/office/officeart/2005/8/layout/orgChart1"/>
+    <dgm:cxn modelId="{CD06B556-937B-F345-ACFD-25084E88C3D5}" srcId="{F6642A84-DD86-444C-973D-09BA5EEFBDC2}" destId="{0AD2B4C2-B7D6-044D-A913-9E27295AC7B3}" srcOrd="0" destOrd="0" parTransId="{7D45103A-6C65-AC4A-BDF9-BC4A7AA46E1C}" sibTransId="{8F099856-BB6C-7340-9726-C2EA584F2347}"/>
     <dgm:cxn modelId="{4BFC78D3-DF15-324B-98B7-35E277AF4E9C}" type="presOf" srcId="{391D1B75-EFCA-7D4E-A80D-EA167B5ED2D2}" destId="{2DAFE5F4-0925-CC44-AECB-654FC67B1639}" srcOrd="0" destOrd="0" presId="urn:microsoft.com/office/officeart/2005/8/layout/orgChart1"/>
-    <dgm:cxn modelId="{9ADACE0F-1F0B-AB49-92B8-9CBD55ECC049}" type="presOf" srcId="{D00F35BA-DE35-854A-9A47-29EC82AF34C2}" destId="{94FC92BE-7FB7-E04C-B1A4-CA6C24D9E664}" srcOrd="0" destOrd="0" presId="urn:microsoft.com/office/officeart/2005/8/layout/orgChart1"/>
-    <dgm:cxn modelId="{C750E055-85FE-4B4D-8857-5B87686D0E19}" srcId="{A39A43F2-6541-384A-BF01-8CC0A6819024}" destId="{EB87194C-5010-104A-A121-6AB96F01DC99}" srcOrd="2" destOrd="0" parTransId="{DB05E2C3-394E-4B48-8371-0E81853F9C51}" sibTransId="{BA90D790-4498-EF4D-B15E-8D0273A89062}"/>
-    <dgm:cxn modelId="{1381155E-EFFD-4C42-BBE7-D55EB8A41AFF}" type="presOf" srcId="{F31C04CC-31D0-FC4C-A557-46327019A08E}" destId="{A90B1446-CD50-C74B-AE56-F569A1C89C10}" srcOrd="1" destOrd="0" presId="urn:microsoft.com/office/officeart/2005/8/layout/orgChart1"/>
-    <dgm:cxn modelId="{38EA3173-E5A1-CD48-A0D0-C519334E8036}" type="presOf" srcId="{391D1B75-EFCA-7D4E-A80D-EA167B5ED2D2}" destId="{C97AC8C6-482B-3346-8C46-71C17B968474}" srcOrd="1" destOrd="0" presId="urn:microsoft.com/office/officeart/2005/8/layout/orgChart1"/>
-    <dgm:cxn modelId="{7C67040F-0056-354C-96EE-0ABDB7F10340}" type="presOf" srcId="{9674111E-87EE-E441-B2FD-C60A4B5B9E2C}" destId="{95030895-E3DD-5444-8C20-493E59433B79}" srcOrd="0" destOrd="0" presId="urn:microsoft.com/office/officeart/2005/8/layout/orgChart1"/>
+    <dgm:cxn modelId="{D2903D78-9BDB-F644-8222-5496A78E3528}" srcId="{0AD2B4C2-B7D6-044D-A913-9E27295AC7B3}" destId="{51F2D560-8304-F646-B591-0DE9D8F2D217}" srcOrd="2" destOrd="0" parTransId="{D00F35BA-DE35-854A-9A47-29EC82AF34C2}" sibTransId="{08717527-0E84-714B-965F-9B097A6D64CE}"/>
     <dgm:cxn modelId="{AE5A7FDA-D9D4-2849-938D-FFF5E2772DCF}" type="presOf" srcId="{69260255-2576-884E-8133-E6E008300E94}" destId="{F0C91FA7-0186-AC45-9E4B-20CCFB6D7694}" srcOrd="0" destOrd="0" presId="urn:microsoft.com/office/officeart/2005/8/layout/orgChart1"/>
     <dgm:cxn modelId="{2F89C9C7-9EE8-8D46-A29D-F73FD085AB6C}" srcId="{A39A43F2-6541-384A-BF01-8CC0A6819024}" destId="{F31C04CC-31D0-FC4C-A557-46327019A08E}" srcOrd="1" destOrd="0" parTransId="{D36F5188-A98E-564B-8FEA-695D9BA68759}" sibTransId="{E0501E88-ACE6-DD4C-8592-FB2321897219}"/>
-    <dgm:cxn modelId="{6FB7B1A7-3A9A-C345-A26C-971E46AD33B2}" type="presOf" srcId="{0AD2B4C2-B7D6-044D-A913-9E27295AC7B3}" destId="{22B80327-E9D2-B84F-9016-B91AE529834D}" srcOrd="0" destOrd="0" presId="urn:microsoft.com/office/officeart/2005/8/layout/orgChart1"/>
-    <dgm:cxn modelId="{19D89794-1CF2-1D4D-ADFD-772C66C03DD3}" srcId="{9674111E-87EE-E441-B2FD-C60A4B5B9E2C}" destId="{36C1C073-E518-2943-ADCC-0DC5AD5FD7FE}" srcOrd="1" destOrd="0" parTransId="{1C4AF516-0CF2-644D-9C76-742D95A78B8F}" sibTransId="{811043DA-3B76-B641-984C-0BCD817B241A}"/>
-    <dgm:cxn modelId="{D2903D78-9BDB-F644-8222-5496A78E3528}" srcId="{0AD2B4C2-B7D6-044D-A913-9E27295AC7B3}" destId="{51F2D560-8304-F646-B591-0DE9D8F2D217}" srcOrd="2" destOrd="0" parTransId="{D00F35BA-DE35-854A-9A47-29EC82AF34C2}" sibTransId="{08717527-0E84-714B-965F-9B097A6D64CE}"/>
-    <dgm:cxn modelId="{3F09E086-134F-B549-8362-7F614098108B}" type="presOf" srcId="{8CB8F304-D79A-7D40-8E44-DA6F9FFE05C0}" destId="{C8731741-F4E8-E641-BC4B-930D9CDA0E30}" srcOrd="0" destOrd="0" presId="urn:microsoft.com/office/officeart/2005/8/layout/orgChart1"/>
-    <dgm:cxn modelId="{37058065-AFDF-824B-8594-0F36F41A0018}" type="presOf" srcId="{DB8014E0-4506-6B4F-ACFC-1667C6EBAC9D}" destId="{02E92A5A-C281-2E4E-AD2A-CAA04DB42F41}" srcOrd="1" destOrd="0" presId="urn:microsoft.com/office/officeart/2005/8/layout/orgChart1"/>
-    <dgm:cxn modelId="{EB9E9244-0E2C-F34D-98D5-DED164E55507}" type="presOf" srcId="{549C73FE-84D5-0249-BFBD-DED60BE4D65D}" destId="{ABA8BBA7-8648-A443-B097-17881BF24270}" srcOrd="0" destOrd="0" presId="urn:microsoft.com/office/officeart/2005/8/layout/orgChart1"/>
-    <dgm:cxn modelId="{FD90C29E-682D-BC4F-AE0E-EFB60D189AF0}" type="presOf" srcId="{B26034E8-F3CA-7D4A-87B6-D4A95CA6AC0C}" destId="{5DB3BC99-6FBB-8F4E-A6BB-B3C1780BAEDF}" srcOrd="0" destOrd="0" presId="urn:microsoft.com/office/officeart/2005/8/layout/orgChart1"/>
-    <dgm:cxn modelId="{6E6B6A44-23B5-B946-BCD0-63B708DA2A29}" type="presOf" srcId="{CAD40881-8CD5-B348-B6D8-3C8AF19BD4D9}" destId="{F4AAD656-CB09-8C44-BD6E-62D96D56EE01}" srcOrd="0" destOrd="0" presId="urn:microsoft.com/office/officeart/2005/8/layout/orgChart1"/>
-    <dgm:cxn modelId="{34715DE6-7BB5-3841-A97B-5D64B6526E0D}" srcId="{0AD2B4C2-B7D6-044D-A913-9E27295AC7B3}" destId="{9674111E-87EE-E441-B2FD-C60A4B5B9E2C}" srcOrd="3" destOrd="0" parTransId="{7C18F96B-FDC7-7048-92CC-915B70F33199}" sibTransId="{E50F6FE5-CC24-ED43-80D0-D538584707DF}"/>
-    <dgm:cxn modelId="{029C1BF2-33BF-C742-8EBA-2C29CEC77199}" type="presOf" srcId="{36C1C073-E518-2943-ADCC-0DC5AD5FD7FE}" destId="{0EF8B922-60FC-714A-9CB5-342AD850D05B}" srcOrd="0" destOrd="0" presId="urn:microsoft.com/office/officeart/2005/8/layout/orgChart1"/>
-    <dgm:cxn modelId="{0B992845-46D0-3A45-97E9-71BB1974B346}" type="presOf" srcId="{DB05E2C3-394E-4B48-8371-0E81853F9C51}" destId="{8A45CDDE-496B-9449-B141-CA074D46A85A}" srcOrd="0" destOrd="0" presId="urn:microsoft.com/office/officeart/2005/8/layout/orgChart1"/>
-    <dgm:cxn modelId="{E163893C-030F-AD4D-B58D-DCE86027FC20}" type="presOf" srcId="{EB87194C-5010-104A-A121-6AB96F01DC99}" destId="{A43507C3-3B53-4845-ACEB-AA41D3E57356}" srcOrd="1" destOrd="0" presId="urn:microsoft.com/office/officeart/2005/8/layout/orgChart1"/>
-    <dgm:cxn modelId="{073551B0-99E3-E04A-8BED-DDD81D265D10}" srcId="{391D1B75-EFCA-7D4E-A80D-EA167B5ED2D2}" destId="{8CB8F304-D79A-7D40-8E44-DA6F9FFE05C0}" srcOrd="1" destOrd="0" parTransId="{549C73FE-84D5-0249-BFBD-DED60BE4D65D}" sibTransId="{2905700D-3F60-F443-A5CE-3F94EB745CE9}"/>
-    <dgm:cxn modelId="{3428678C-0BAC-0E42-BFE3-DC90F58AC9B5}" type="presOf" srcId="{0AD2B4C2-B7D6-044D-A913-9E27295AC7B3}" destId="{B8192E39-E419-A446-A2AE-1354FF536B71}" srcOrd="1" destOrd="0" presId="urn:microsoft.com/office/officeart/2005/8/layout/orgChart1"/>
-    <dgm:cxn modelId="{2EFDF559-6693-E144-AF77-7CA306EE505C}" type="presOf" srcId="{1C4AF516-0CF2-644D-9C76-742D95A78B8F}" destId="{0CB9E6A8-38A5-ED4B-9062-21DEDB3859CB}" srcOrd="0" destOrd="0" presId="urn:microsoft.com/office/officeart/2005/8/layout/orgChart1"/>
+    <dgm:cxn modelId="{46E02238-5086-8F45-95CF-8E17049CE45E}" type="presOf" srcId="{EB87194C-5010-104A-A121-6AB96F01DC99}" destId="{713CB52A-37B2-D94A-AA68-2AAC068A2A45}" srcOrd="0" destOrd="0" presId="urn:microsoft.com/office/officeart/2005/8/layout/orgChart1"/>
     <dgm:cxn modelId="{A525B613-15E6-AA45-AEF0-3ED9E9C4064A}" srcId="{9674111E-87EE-E441-B2FD-C60A4B5B9E2C}" destId="{DB8014E0-4506-6B4F-ACFC-1667C6EBAC9D}" srcOrd="0" destOrd="0" parTransId="{4D880B2C-540A-9845-92F5-5CE8E3E0F0C8}" sibTransId="{C4B3835E-7610-3149-B512-0C06E7472E1A}"/>
-    <dgm:cxn modelId="{CEF49EBB-BA98-8B45-BBA6-400B492AD7B2}" type="presOf" srcId="{B2ACEF10-9A8F-044F-B446-D1EAE75C2E33}" destId="{EB038D4C-638C-334A-AEFD-1C939C0342BF}" srcOrd="0" destOrd="0" presId="urn:microsoft.com/office/officeart/2005/8/layout/orgChart1"/>
-    <dgm:cxn modelId="{A8488373-1D4D-904F-A02F-CFD79FC9391D}" type="presOf" srcId="{9674111E-87EE-E441-B2FD-C60A4B5B9E2C}" destId="{F6FC3A29-FEA3-014D-8B8C-A4BEC6BAF223}" srcOrd="1" destOrd="0" presId="urn:microsoft.com/office/officeart/2005/8/layout/orgChart1"/>
+    <dgm:cxn modelId="{5F82438C-7705-F446-9341-D501A0819800}" type="presOf" srcId="{F6674FFE-9065-6B4E-AA45-40879E16D4E6}" destId="{0024D7C6-1FC0-0145-BEBF-9B56D95CB147}" srcOrd="0" destOrd="0" presId="urn:microsoft.com/office/officeart/2005/8/layout/orgChart1"/>
     <dgm:cxn modelId="{254EC448-FCEC-1247-981F-3092AAB76F0F}" type="presOf" srcId="{FB2D6BC0-033E-1140-AAAE-8C7E6B0DC726}" destId="{699AF8E5-2586-0E42-939F-B0027D4AC73C}" srcOrd="1" destOrd="0" presId="urn:microsoft.com/office/officeart/2005/8/layout/orgChart1"/>
+    <dgm:cxn modelId="{41AF4373-4ED1-8646-ACFA-C89332E2751E}" type="presOf" srcId="{A39A43F2-6541-384A-BF01-8CC0A6819024}" destId="{752E13FD-D234-DB47-A3FF-4479A0FA1481}" srcOrd="1" destOrd="0" presId="urn:microsoft.com/office/officeart/2005/8/layout/orgChart1"/>
+    <dgm:cxn modelId="{5F4669F2-4266-2743-8EC6-C5FBAD99F4F4}" type="presOf" srcId="{FB2D6BC0-033E-1140-AAAE-8C7E6B0DC726}" destId="{54FA4C23-CEDB-D64B-A28E-791BEF1C05FA}" srcOrd="0" destOrd="0" presId="urn:microsoft.com/office/officeart/2005/8/layout/orgChart1"/>
     <dgm:cxn modelId="{2BC9CD5D-0609-0F4C-8A0C-37B1F637629C}" type="presParOf" srcId="{380C93AF-3D01-7B4D-A4C0-B5C0BEE17C9E}" destId="{4AAC7822-2186-024E-88D9-698D1D42D365}" srcOrd="0" destOrd="0" presId="urn:microsoft.com/office/officeart/2005/8/layout/orgChart1"/>
     <dgm:cxn modelId="{3E6AC096-093B-264F-8256-E3AF01C0C67C}" type="presParOf" srcId="{4AAC7822-2186-024E-88D9-698D1D42D365}" destId="{82A0E471-D78A-884E-84C3-54AC048E8B96}" srcOrd="0" destOrd="0" presId="urn:microsoft.com/office/officeart/2005/8/layout/orgChart1"/>
     <dgm:cxn modelId="{742B4AEB-4BF6-FA46-A590-0198188B7564}" type="presParOf" srcId="{82A0E471-D78A-884E-84C3-54AC048E8B96}" destId="{22B80327-E9D2-B84F-9016-B91AE529834D}" srcOrd="0" destOrd="0" presId="urn:microsoft.com/office/officeart/2005/8/layout/orgChart1"/>
@@ -4346,14 +4346,14 @@
     </dgm:pt>
   </dgm:ptLst>
   <dgm:cxnLst>
+    <dgm:cxn modelId="{7C33FD20-8330-0A43-8493-C734426C631D}" srcId="{2E002A26-6CA8-5F48-BCD5-2318DABFC148}" destId="{77714BA5-022A-624F-BEBA-3CB7538D587B}" srcOrd="0" destOrd="0" parTransId="{94527E4D-9432-484B-970B-9C1A85820B3F}" sibTransId="{B4E1D827-DF51-9A45-A35C-86722214993B}"/>
+    <dgm:cxn modelId="{8BADB99C-63BA-5A47-A228-D3A2B2EF2D18}" type="presOf" srcId="{77714BA5-022A-624F-BEBA-3CB7538D587B}" destId="{281A83E0-FFAA-D349-9BF0-B4FFFFD47C5B}" srcOrd="0" destOrd="0" presId="urn:microsoft.com/office/officeart/2009/3/layout/StepUpProcess"/>
+    <dgm:cxn modelId="{C689D6B6-F7E6-6542-815D-3AEC2D082CD7}" type="presOf" srcId="{2E002A26-6CA8-5F48-BCD5-2318DABFC148}" destId="{8078EA5D-2B66-FB47-8BD1-06883D58C1FC}" srcOrd="0" destOrd="0" presId="urn:microsoft.com/office/officeart/2009/3/layout/StepUpProcess"/>
+    <dgm:cxn modelId="{0E29F806-0F61-744C-868A-717BB71AF99B}" srcId="{2E002A26-6CA8-5F48-BCD5-2318DABFC148}" destId="{107428CD-1595-0E43-AD9C-D222528D1374}" srcOrd="1" destOrd="0" parTransId="{FC3D643A-3C4A-4E4E-B2B5-620102DCC2E1}" sibTransId="{0C7ED3F1-60F7-DA45-AF0E-00B4017C2F54}"/>
+    <dgm:cxn modelId="{5EBE7E3D-10FF-904A-8D31-657D2C7E0821}" srcId="{2E002A26-6CA8-5F48-BCD5-2318DABFC148}" destId="{0A2ED728-7762-DC4B-BF10-3FEEA746C8DD}" srcOrd="2" destOrd="0" parTransId="{CC084522-9B3E-2540-AEC5-1B3EEDE7D420}" sibTransId="{0DA033F7-CD13-CF48-9E4C-83727C371DDD}"/>
     <dgm:cxn modelId="{06F1A235-F5EF-EC4F-9223-005C6FCC9F76}" type="presOf" srcId="{697D11EC-FE29-8B4C-9249-1CC22ABC73CD}" destId="{1ED3722D-68B4-9C4A-979F-DD2CAC716916}" srcOrd="0" destOrd="0" presId="urn:microsoft.com/office/officeart/2009/3/layout/StepUpProcess"/>
-    <dgm:cxn modelId="{C689D6B6-F7E6-6542-815D-3AEC2D082CD7}" type="presOf" srcId="{2E002A26-6CA8-5F48-BCD5-2318DABFC148}" destId="{8078EA5D-2B66-FB47-8BD1-06883D58C1FC}" srcOrd="0" destOrd="0" presId="urn:microsoft.com/office/officeart/2009/3/layout/StepUpProcess"/>
-    <dgm:cxn modelId="{8BADB99C-63BA-5A47-A228-D3A2B2EF2D18}" type="presOf" srcId="{77714BA5-022A-624F-BEBA-3CB7538D587B}" destId="{281A83E0-FFAA-D349-9BF0-B4FFFFD47C5B}" srcOrd="0" destOrd="0" presId="urn:microsoft.com/office/officeart/2009/3/layout/StepUpProcess"/>
-    <dgm:cxn modelId="{7C33FD20-8330-0A43-8493-C734426C631D}" srcId="{2E002A26-6CA8-5F48-BCD5-2318DABFC148}" destId="{77714BA5-022A-624F-BEBA-3CB7538D587B}" srcOrd="0" destOrd="0" parTransId="{94527E4D-9432-484B-970B-9C1A85820B3F}" sibTransId="{B4E1D827-DF51-9A45-A35C-86722214993B}"/>
-    <dgm:cxn modelId="{5EBE7E3D-10FF-904A-8D31-657D2C7E0821}" srcId="{2E002A26-6CA8-5F48-BCD5-2318DABFC148}" destId="{0A2ED728-7762-DC4B-BF10-3FEEA746C8DD}" srcOrd="2" destOrd="0" parTransId="{CC084522-9B3E-2540-AEC5-1B3EEDE7D420}" sibTransId="{0DA033F7-CD13-CF48-9E4C-83727C371DDD}"/>
+    <dgm:cxn modelId="{5D4B9A10-E5D4-7D4D-B954-AE7C6E4ADEF2}" srcId="{2E002A26-6CA8-5F48-BCD5-2318DABFC148}" destId="{697D11EC-FE29-8B4C-9249-1CC22ABC73CD}" srcOrd="3" destOrd="0" parTransId="{1A91AA4F-B1ED-B94B-84C5-3BB4FD9E3C6D}" sibTransId="{FEF3994C-57B5-2D43-BBD7-C642A0567D5D}"/>
     <dgm:cxn modelId="{18BAB187-2E57-2549-9F2B-8F48B265AE5C}" type="presOf" srcId="{107428CD-1595-0E43-AD9C-D222528D1374}" destId="{2549859E-D3A0-E445-BD41-CA49867524D4}" srcOrd="0" destOrd="0" presId="urn:microsoft.com/office/officeart/2009/3/layout/StepUpProcess"/>
-    <dgm:cxn modelId="{0E29F806-0F61-744C-868A-717BB71AF99B}" srcId="{2E002A26-6CA8-5F48-BCD5-2318DABFC148}" destId="{107428CD-1595-0E43-AD9C-D222528D1374}" srcOrd="1" destOrd="0" parTransId="{FC3D643A-3C4A-4E4E-B2B5-620102DCC2E1}" sibTransId="{0C7ED3F1-60F7-DA45-AF0E-00B4017C2F54}"/>
-    <dgm:cxn modelId="{5D4B9A10-E5D4-7D4D-B954-AE7C6E4ADEF2}" srcId="{2E002A26-6CA8-5F48-BCD5-2318DABFC148}" destId="{697D11EC-FE29-8B4C-9249-1CC22ABC73CD}" srcOrd="3" destOrd="0" parTransId="{1A91AA4F-B1ED-B94B-84C5-3BB4FD9E3C6D}" sibTransId="{FEF3994C-57B5-2D43-BBD7-C642A0567D5D}"/>
     <dgm:cxn modelId="{7F4BBC39-6058-1C4C-905A-85B924686F6C}" type="presOf" srcId="{0A2ED728-7762-DC4B-BF10-3FEEA746C8DD}" destId="{256F76FD-B991-D549-B7AE-D81EE31B0D30}" srcOrd="0" destOrd="0" presId="urn:microsoft.com/office/officeart/2009/3/layout/StepUpProcess"/>
     <dgm:cxn modelId="{9171E2A7-BC8E-204C-8097-08BEDC7F8E46}" type="presParOf" srcId="{8078EA5D-2B66-FB47-8BD1-06883D58C1FC}" destId="{7333C983-67B5-DD4C-ADC0-32B91F5A823F}" srcOrd="0" destOrd="0" presId="urn:microsoft.com/office/officeart/2009/3/layout/StepUpProcess"/>
     <dgm:cxn modelId="{8B64E796-51D0-D24B-A47C-37266C2408CD}" type="presParOf" srcId="{7333C983-67B5-DD4C-ADC0-32B91F5A823F}" destId="{8270A7B4-188E-DD46-91B7-69499003085B}" srcOrd="0" destOrd="0" presId="urn:microsoft.com/office/officeart/2009/3/layout/StepUpProcess"/>
@@ -4631,6 +4631,13 @@
         </dgm:presLayoutVars>
       </dgm:prSet>
       <dgm:spPr/>
+      <dgm:t>
+        <a:bodyPr/>
+        <a:lstStyle/>
+        <a:p>
+          <a:endParaRPr lang="en-US"/>
+        </a:p>
+      </dgm:t>
     </dgm:pt>
     <dgm:pt modelId="{DEDDE179-404A-8B44-A043-0E3510466294}" type="pres">
       <dgm:prSet presAssocID="{695B99EE-8D62-664D-AD5F-0E1C2B9F3F60}" presName="parentLin" presStyleCnt="0"/>
@@ -4639,6 +4646,13 @@
     <dgm:pt modelId="{BCD27E86-8DDA-B449-B624-2100EEAAD554}" type="pres">
       <dgm:prSet presAssocID="{695B99EE-8D62-664D-AD5F-0E1C2B9F3F60}" presName="parentLeftMargin" presStyleLbl="node1" presStyleIdx="0" presStyleCnt="4"/>
       <dgm:spPr/>
+      <dgm:t>
+        <a:bodyPr/>
+        <a:lstStyle/>
+        <a:p>
+          <a:endParaRPr lang="en-US"/>
+        </a:p>
+      </dgm:t>
     </dgm:pt>
     <dgm:pt modelId="{F6469379-C328-2042-91C1-ACA84974AF25}" type="pres">
       <dgm:prSet presAssocID="{695B99EE-8D62-664D-AD5F-0E1C2B9F3F60}" presName="parentText" presStyleLbl="node1" presStyleIdx="0" presStyleCnt="4">
@@ -4679,6 +4693,13 @@
     <dgm:pt modelId="{9FE2E675-DF53-E946-97DF-2D9CAA2486A2}" type="pres">
       <dgm:prSet presAssocID="{77C0DA16-8B02-AD47-8AAA-D2798FCF7EAC}" presName="parentLeftMargin" presStyleLbl="node1" presStyleIdx="0" presStyleCnt="4"/>
       <dgm:spPr/>
+      <dgm:t>
+        <a:bodyPr/>
+        <a:lstStyle/>
+        <a:p>
+          <a:endParaRPr lang="en-US"/>
+        </a:p>
+      </dgm:t>
     </dgm:pt>
     <dgm:pt modelId="{A1456767-6FDA-604F-AB8C-497189ABE45B}" type="pres">
       <dgm:prSet presAssocID="{77C0DA16-8B02-AD47-8AAA-D2798FCF7EAC}" presName="parentText" presStyleLbl="node1" presStyleIdx="1" presStyleCnt="4">
@@ -4719,6 +4740,13 @@
     <dgm:pt modelId="{4F1EAA70-CDD9-8841-90F0-933D3C24C426}" type="pres">
       <dgm:prSet presAssocID="{7EA162D0-DC70-304E-BB95-1660A46D6344}" presName="parentLeftMargin" presStyleLbl="node1" presStyleIdx="1" presStyleCnt="4"/>
       <dgm:spPr/>
+      <dgm:t>
+        <a:bodyPr/>
+        <a:lstStyle/>
+        <a:p>
+          <a:endParaRPr lang="en-US"/>
+        </a:p>
+      </dgm:t>
     </dgm:pt>
     <dgm:pt modelId="{6BE6C504-51F3-184D-B592-DC578408763A}" type="pres">
       <dgm:prSet presAssocID="{7EA162D0-DC70-304E-BB95-1660A46D6344}" presName="parentText" presStyleLbl="node1" presStyleIdx="2" presStyleCnt="4">
@@ -4759,6 +4787,13 @@
     <dgm:pt modelId="{4ADD9CCA-523E-364B-9A2D-2997162A462B}" type="pres">
       <dgm:prSet presAssocID="{F80AA051-BC87-514B-B946-7536AEAB9944}" presName="parentLeftMargin" presStyleLbl="node1" presStyleIdx="2" presStyleCnt="4"/>
       <dgm:spPr/>
+      <dgm:t>
+        <a:bodyPr/>
+        <a:lstStyle/>
+        <a:p>
+          <a:endParaRPr lang="en-US"/>
+        </a:p>
+      </dgm:t>
     </dgm:pt>
     <dgm:pt modelId="{2690CEEA-F680-9041-8A1D-1D6DA5599B97}" type="pres">
       <dgm:prSet presAssocID="{F80AA051-BC87-514B-B946-7536AEAB9944}" presName="parentText" presStyleLbl="node1" presStyleIdx="3" presStyleCnt="4">
@@ -4790,19 +4825,19 @@
     </dgm:pt>
   </dgm:ptLst>
   <dgm:cxnLst>
-    <dgm:cxn modelId="{8DF3B5D2-2B0A-EA47-B770-5904C924D786}" type="presOf" srcId="{F80AA051-BC87-514B-B946-7536AEAB9944}" destId="{4ADD9CCA-523E-364B-9A2D-2997162A462B}" srcOrd="0" destOrd="0" presId="urn:microsoft.com/office/officeart/2005/8/layout/list1"/>
+    <dgm:cxn modelId="{460F077F-3976-B941-8ED2-183129A64DBE}" srcId="{657CC837-3163-3A48-B714-841309F4100B}" destId="{695B99EE-8D62-664D-AD5F-0E1C2B9F3F60}" srcOrd="0" destOrd="0" parTransId="{0A51196D-1954-014B-8FB4-CA9B3345820A}" sibTransId="{BEE47355-457C-884E-AA6A-4EC5D82A5868}"/>
+    <dgm:cxn modelId="{0B97F395-B8E8-9742-BB80-0E405601721C}" srcId="{657CC837-3163-3A48-B714-841309F4100B}" destId="{77C0DA16-8B02-AD47-8AAA-D2798FCF7EAC}" srcOrd="1" destOrd="0" parTransId="{6C567A3A-EEC5-9C4A-B02D-2555A9D61CBE}" sibTransId="{A5AA9665-75F7-1E47-BF20-A92510C56BDC}"/>
     <dgm:cxn modelId="{22A7845A-A862-F04E-90F1-76B1F7F12421}" srcId="{657CC837-3163-3A48-B714-841309F4100B}" destId="{F80AA051-BC87-514B-B946-7536AEAB9944}" srcOrd="3" destOrd="0" parTransId="{14C5C1CE-5915-0147-A7E2-4D1C59247E4C}" sibTransId="{BF32ED0F-F175-F440-B8FB-DB83A665CE13}"/>
     <dgm:cxn modelId="{A55B32A2-2F82-904F-B66F-2F6ED6B8DB20}" type="presOf" srcId="{77C0DA16-8B02-AD47-8AAA-D2798FCF7EAC}" destId="{A1456767-6FDA-604F-AB8C-497189ABE45B}" srcOrd="1" destOrd="0" presId="urn:microsoft.com/office/officeart/2005/8/layout/list1"/>
+    <dgm:cxn modelId="{6E533167-B869-754C-B3B2-397C19DD0E42}" type="presOf" srcId="{695B99EE-8D62-664D-AD5F-0E1C2B9F3F60}" destId="{BCD27E86-8DDA-B449-B624-2100EEAAD554}" srcOrd="0" destOrd="0" presId="urn:microsoft.com/office/officeart/2005/8/layout/list1"/>
+    <dgm:cxn modelId="{E50A4B1D-5878-4049-B5F8-6363C928559B}" type="presOf" srcId="{657CC837-3163-3A48-B714-841309F4100B}" destId="{B0E704B7-8FA3-F046-981B-9883EA4C5725}" srcOrd="0" destOrd="0" presId="urn:microsoft.com/office/officeart/2005/8/layout/list1"/>
     <dgm:cxn modelId="{F4973490-2AEE-9847-93C4-4A70750483A5}" type="presOf" srcId="{77C0DA16-8B02-AD47-8AAA-D2798FCF7EAC}" destId="{9FE2E675-DF53-E946-97DF-2D9CAA2486A2}" srcOrd="0" destOrd="0" presId="urn:microsoft.com/office/officeart/2005/8/layout/list1"/>
     <dgm:cxn modelId="{3D92309A-0F31-E84F-8C92-CAD2CBBFC4E2}" type="presOf" srcId="{695B99EE-8D62-664D-AD5F-0E1C2B9F3F60}" destId="{F6469379-C328-2042-91C1-ACA84974AF25}" srcOrd="1" destOrd="0" presId="urn:microsoft.com/office/officeart/2005/8/layout/list1"/>
-    <dgm:cxn modelId="{E50A4B1D-5878-4049-B5F8-6363C928559B}" type="presOf" srcId="{657CC837-3163-3A48-B714-841309F4100B}" destId="{B0E704B7-8FA3-F046-981B-9883EA4C5725}" srcOrd="0" destOrd="0" presId="urn:microsoft.com/office/officeart/2005/8/layout/list1"/>
     <dgm:cxn modelId="{C4E6F2D4-4689-7E44-BF41-930A7F062AA2}" srcId="{657CC837-3163-3A48-B714-841309F4100B}" destId="{7EA162D0-DC70-304E-BB95-1660A46D6344}" srcOrd="2" destOrd="0" parTransId="{E9872624-12A5-C744-8234-28591CCB9058}" sibTransId="{913459E2-1C0A-FF43-80C6-886868BC1D8A}"/>
     <dgm:cxn modelId="{AF4E6A00-3597-BE44-8F08-81E942599676}" type="presOf" srcId="{7EA162D0-DC70-304E-BB95-1660A46D6344}" destId="{6BE6C504-51F3-184D-B592-DC578408763A}" srcOrd="1" destOrd="0" presId="urn:microsoft.com/office/officeart/2005/8/layout/list1"/>
-    <dgm:cxn modelId="{6E533167-B869-754C-B3B2-397C19DD0E42}" type="presOf" srcId="{695B99EE-8D62-664D-AD5F-0E1C2B9F3F60}" destId="{BCD27E86-8DDA-B449-B624-2100EEAAD554}" srcOrd="0" destOrd="0" presId="urn:microsoft.com/office/officeart/2005/8/layout/list1"/>
+    <dgm:cxn modelId="{B8FB6613-27FE-524E-9B6E-03F49F05906D}" type="presOf" srcId="{F80AA051-BC87-514B-B946-7536AEAB9944}" destId="{2690CEEA-F680-9041-8A1D-1D6DA5599B97}" srcOrd="1" destOrd="0" presId="urn:microsoft.com/office/officeart/2005/8/layout/list1"/>
+    <dgm:cxn modelId="{8DF3B5D2-2B0A-EA47-B770-5904C924D786}" type="presOf" srcId="{F80AA051-BC87-514B-B946-7536AEAB9944}" destId="{4ADD9CCA-523E-364B-9A2D-2997162A462B}" srcOrd="0" destOrd="0" presId="urn:microsoft.com/office/officeart/2005/8/layout/list1"/>
     <dgm:cxn modelId="{46351022-6658-C74E-88E4-403E539932E7}" type="presOf" srcId="{7EA162D0-DC70-304E-BB95-1660A46D6344}" destId="{4F1EAA70-CDD9-8841-90F0-933D3C24C426}" srcOrd="0" destOrd="0" presId="urn:microsoft.com/office/officeart/2005/8/layout/list1"/>
-    <dgm:cxn modelId="{0B97F395-B8E8-9742-BB80-0E405601721C}" srcId="{657CC837-3163-3A48-B714-841309F4100B}" destId="{77C0DA16-8B02-AD47-8AAA-D2798FCF7EAC}" srcOrd="1" destOrd="0" parTransId="{6C567A3A-EEC5-9C4A-B02D-2555A9D61CBE}" sibTransId="{A5AA9665-75F7-1E47-BF20-A92510C56BDC}"/>
-    <dgm:cxn modelId="{460F077F-3976-B941-8ED2-183129A64DBE}" srcId="{657CC837-3163-3A48-B714-841309F4100B}" destId="{695B99EE-8D62-664D-AD5F-0E1C2B9F3F60}" srcOrd="0" destOrd="0" parTransId="{0A51196D-1954-014B-8FB4-CA9B3345820A}" sibTransId="{BEE47355-457C-884E-AA6A-4EC5D82A5868}"/>
-    <dgm:cxn modelId="{B8FB6613-27FE-524E-9B6E-03F49F05906D}" type="presOf" srcId="{F80AA051-BC87-514B-B946-7536AEAB9944}" destId="{2690CEEA-F680-9041-8A1D-1D6DA5599B97}" srcOrd="1" destOrd="0" presId="urn:microsoft.com/office/officeart/2005/8/layout/list1"/>
     <dgm:cxn modelId="{DA93374B-A372-BF41-AD96-CE5A0B9A2678}" type="presParOf" srcId="{B0E704B7-8FA3-F046-981B-9883EA4C5725}" destId="{DEDDE179-404A-8B44-A043-0E3510466294}" srcOrd="0" destOrd="0" presId="urn:microsoft.com/office/officeart/2005/8/layout/list1"/>
     <dgm:cxn modelId="{A47318F7-C1A9-D54E-941A-814A991A3AB8}" type="presParOf" srcId="{DEDDE179-404A-8B44-A043-0E3510466294}" destId="{BCD27E86-8DDA-B449-B624-2100EEAAD554}" srcOrd="0" destOrd="0" presId="urn:microsoft.com/office/officeart/2005/8/layout/list1"/>
     <dgm:cxn modelId="{B50FAB8F-7522-C142-95EA-769EB0632667}" type="presParOf" srcId="{DEDDE179-404A-8B44-A043-0E3510466294}" destId="{F6469379-C328-2042-91C1-ACA84974AF25}" srcOrd="1" destOrd="0" presId="urn:microsoft.com/office/officeart/2005/8/layout/list1"/>
@@ -12449,7 +12484,7 @@
           <a:p>
             <a:fld id="{8EAFB721-A199-4744-85CA-33178FEF139B}" type="datetimeFigureOut">
               <a:rPr lang="en-US" smtClean="0"/>
-              <a:t>7/28/17</a:t>
+              <a:t>7/30/17</a:t>
             </a:fld>
             <a:endParaRPr lang="en-US"/>
           </a:p>
@@ -15907,7 +15942,7 @@
           <a:p>
             <a:fld id="{4194731A-65BB-FD47-9CA2-EF0AB417D27C}" type="datetimeFigureOut">
               <a:rPr lang="en-US" smtClean="0"/>
-              <a:t>7/28/17</a:t>
+              <a:t>7/30/17</a:t>
             </a:fld>
             <a:endParaRPr lang="en-US"/>
           </a:p>
@@ -16077,7 +16112,7 @@
           <a:p>
             <a:fld id="{4194731A-65BB-FD47-9CA2-EF0AB417D27C}" type="datetimeFigureOut">
               <a:rPr lang="en-US" smtClean="0"/>
-              <a:t>7/28/17</a:t>
+              <a:t>7/30/17</a:t>
             </a:fld>
             <a:endParaRPr lang="en-US"/>
           </a:p>
@@ -16257,7 +16292,7 @@
           <a:p>
             <a:fld id="{4194731A-65BB-FD47-9CA2-EF0AB417D27C}" type="datetimeFigureOut">
               <a:rPr lang="en-US" smtClean="0"/>
-              <a:t>7/28/17</a:t>
+              <a:t>7/30/17</a:t>
             </a:fld>
             <a:endParaRPr lang="en-US"/>
           </a:p>
@@ -16427,7 +16462,7 @@
           <a:p>
             <a:fld id="{4194731A-65BB-FD47-9CA2-EF0AB417D27C}" type="datetimeFigureOut">
               <a:rPr lang="en-US" smtClean="0"/>
-              <a:t>7/28/17</a:t>
+              <a:t>7/30/17</a:t>
             </a:fld>
             <a:endParaRPr lang="en-US"/>
           </a:p>
@@ -16673,7 +16708,7 @@
           <a:p>
             <a:fld id="{4194731A-65BB-FD47-9CA2-EF0AB417D27C}" type="datetimeFigureOut">
               <a:rPr lang="en-US" smtClean="0"/>
-              <a:t>7/28/17</a:t>
+              <a:t>7/30/17</a:t>
             </a:fld>
             <a:endParaRPr lang="en-US"/>
           </a:p>
@@ -16905,7 +16940,7 @@
           <a:p>
             <a:fld id="{4194731A-65BB-FD47-9CA2-EF0AB417D27C}" type="datetimeFigureOut">
               <a:rPr lang="en-US" smtClean="0"/>
-              <a:t>7/28/17</a:t>
+              <a:t>7/30/17</a:t>
             </a:fld>
             <a:endParaRPr lang="en-US"/>
           </a:p>
@@ -17272,7 +17307,7 @@
           <a:p>
             <a:fld id="{4194731A-65BB-FD47-9CA2-EF0AB417D27C}" type="datetimeFigureOut">
               <a:rPr lang="en-US" smtClean="0"/>
-              <a:t>7/28/17</a:t>
+              <a:t>7/30/17</a:t>
             </a:fld>
             <a:endParaRPr lang="en-US"/>
           </a:p>
@@ -17390,7 +17425,7 @@
           <a:p>
             <a:fld id="{4194731A-65BB-FD47-9CA2-EF0AB417D27C}" type="datetimeFigureOut">
               <a:rPr lang="en-US" smtClean="0"/>
-              <a:t>7/28/17</a:t>
+              <a:t>7/30/17</a:t>
             </a:fld>
             <a:endParaRPr lang="en-US"/>
           </a:p>
@@ -17485,7 +17520,7 @@
           <a:p>
             <a:fld id="{4194731A-65BB-FD47-9CA2-EF0AB417D27C}" type="datetimeFigureOut">
               <a:rPr lang="en-US" smtClean="0"/>
-              <a:t>7/28/17</a:t>
+              <a:t>7/30/17</a:t>
             </a:fld>
             <a:endParaRPr lang="en-US"/>
           </a:p>
@@ -17762,7 +17797,7 @@
           <a:p>
             <a:fld id="{4194731A-65BB-FD47-9CA2-EF0AB417D27C}" type="datetimeFigureOut">
               <a:rPr lang="en-US" smtClean="0"/>
-              <a:t>7/28/17</a:t>
+              <a:t>7/30/17</a:t>
             </a:fld>
             <a:endParaRPr lang="en-US"/>
           </a:p>
@@ -18015,7 +18050,7 @@
           <a:p>
             <a:fld id="{4194731A-65BB-FD47-9CA2-EF0AB417D27C}" type="datetimeFigureOut">
               <a:rPr lang="en-US" smtClean="0"/>
-              <a:t>7/28/17</a:t>
+              <a:t>7/30/17</a:t>
             </a:fld>
             <a:endParaRPr lang="en-US"/>
           </a:p>
@@ -18228,7 +18263,7 @@
           <a:p>
             <a:fld id="{4194731A-65BB-FD47-9CA2-EF0AB417D27C}" type="datetimeFigureOut">
               <a:rPr lang="en-US" smtClean="0"/>
-              <a:t>7/28/17</a:t>
+              <a:t>7/30/17</a:t>
             </a:fld>
             <a:endParaRPr lang="en-US"/>
           </a:p>
@@ -20311,7 +20346,6 @@
               <a:rPr lang="en-US" sz="3600" dirty="0"/>
               <a:t>Request/Resource timeout</a:t>
             </a:r>
-            <a:endParaRPr lang="en-US" sz="3600" dirty="0"/>
           </a:p>
         </p:txBody>
       </p:sp>
@@ -20772,7 +20806,213 @@
       </p:grpSpPr>
       <p:sp>
         <p:nvSpPr>
-          <p:cNvPr id="18" name="Rectangle 17"/>
+          <p:cNvPr id="23" name="Rectangle 22"/>
+          <p:cNvSpPr>
+            <a:spLocks noGrp="1" noRot="1" noChangeAspect="1" noMove="1" noResize="1" noEditPoints="1" noAdjustHandles="1" noChangeArrowheads="1" noChangeShapeType="1" noTextEdit="1"/>
+          </p:cNvSpPr>
+          <p:nvPr>
+            <p:extLst>
+              <p:ext uri="{386F3935-93C4-4BCD-93E2-E3B085C9AB24}">
+                <p16:designElem xmlns:p16="http://schemas.microsoft.com/office/powerpoint/2015/main" val="1"/>
+              </p:ext>
+            </p:extLst>
+          </p:nvPr>
+        </p:nvSpPr>
+        <p:spPr bwMode="white">
+          <a:xfrm>
+            <a:off x="0" y="0"/>
+            <a:ext cx="12192000" cy="6858000"/>
+          </a:xfrm>
+          <a:prstGeom prst="rect">
+            <a:avLst/>
+          </a:prstGeom>
+          <a:solidFill>
+            <a:schemeClr val="bg1"/>
+          </a:solidFill>
+          <a:ln>
+            <a:noFill/>
+          </a:ln>
+          <a:effectLst/>
+        </p:spPr>
+      </p:sp>
+      <p:sp>
+        <p:nvSpPr>
+          <p:cNvPr id="25" name="Rectangle 24"/>
+          <p:cNvSpPr>
+            <a:spLocks noGrp="1" noRot="1" noChangeAspect="1" noMove="1" noResize="1" noEditPoints="1" noAdjustHandles="1" noChangeArrowheads="1" noChangeShapeType="1" noTextEdit="1"/>
+          </p:cNvSpPr>
+          <p:nvPr>
+            <p:extLst>
+              <p:ext uri="{386F3935-93C4-4BCD-93E2-E3B085C9AB24}">
+                <p16:designElem xmlns:p16="http://schemas.microsoft.com/office/powerpoint/2015/main" val="1"/>
+              </p:ext>
+            </p:extLst>
+          </p:nvPr>
+        </p:nvSpPr>
+        <p:spPr>
+          <a:xfrm>
+            <a:off x="0" y="0"/>
+            <a:ext cx="12192000" cy="6858000"/>
+          </a:xfrm>
+          <a:prstGeom prst="rect">
+            <a:avLst/>
+          </a:prstGeom>
+          <a:solidFill>
+            <a:schemeClr val="bg2"/>
+          </a:solidFill>
+          <a:ln>
+            <a:noFill/>
+          </a:ln>
+        </p:spPr>
+        <p:style>
+          <a:lnRef idx="2">
+            <a:schemeClr val="accent1">
+              <a:shade val="50000"/>
+            </a:schemeClr>
+          </a:lnRef>
+          <a:fillRef idx="1">
+            <a:schemeClr val="accent1"/>
+          </a:fillRef>
+          <a:effectRef idx="0">
+            <a:schemeClr val="accent1"/>
+          </a:effectRef>
+          <a:fontRef idx="minor">
+            <a:schemeClr val="lt1"/>
+          </a:fontRef>
+        </p:style>
+        <p:txBody>
+          <a:bodyPr rtlCol="0" anchor="ctr"/>
+          <a:lstStyle/>
+          <a:p>
+            <a:pPr algn="ctr"/>
+            <a:endParaRPr lang="en-US"/>
+          </a:p>
+        </p:txBody>
+      </p:sp>
+      <p:sp>
+        <p:nvSpPr>
+          <p:cNvPr id="27" name="Rectangle 26"/>
+          <p:cNvSpPr>
+            <a:spLocks noGrp="1" noRot="1" noChangeAspect="1" noMove="1" noResize="1" noEditPoints="1" noAdjustHandles="1" noChangeArrowheads="1" noChangeShapeType="1" noTextEdit="1"/>
+          </p:cNvSpPr>
+          <p:nvPr>
+            <p:extLst>
+              <p:ext uri="{386F3935-93C4-4BCD-93E2-E3B085C9AB24}">
+                <p16:designElem xmlns:p16="http://schemas.microsoft.com/office/powerpoint/2015/main" val="1"/>
+              </p:ext>
+            </p:extLst>
+          </p:nvPr>
+        </p:nvSpPr>
+        <p:spPr>
+          <a:xfrm>
+            <a:off x="477012" y="480060"/>
+            <a:ext cx="11237976" cy="5897880"/>
+          </a:xfrm>
+          <a:prstGeom prst="rect">
+            <a:avLst/>
+          </a:prstGeom>
+          <a:solidFill>
+            <a:srgbClr val="FFFFFF"/>
+          </a:solidFill>
+          <a:ln w="9525">
+            <a:noFill/>
+          </a:ln>
+          <a:effectLst>
+            <a:outerShdw blurRad="63500" dist="17780" dir="5400000" algn="t" rotWithShape="0">
+              <a:prstClr val="black">
+                <a:alpha val="43000"/>
+              </a:prstClr>
+            </a:outerShdw>
+          </a:effectLst>
+        </p:spPr>
+        <p:style>
+          <a:lnRef idx="2">
+            <a:schemeClr val="accent1">
+              <a:shade val="50000"/>
+            </a:schemeClr>
+          </a:lnRef>
+          <a:fillRef idx="1">
+            <a:schemeClr val="accent1"/>
+          </a:fillRef>
+          <a:effectRef idx="0">
+            <a:schemeClr val="accent1"/>
+          </a:effectRef>
+          <a:fontRef idx="minor">
+            <a:schemeClr val="lt1"/>
+          </a:fontRef>
+        </p:style>
+        <p:txBody>
+          <a:bodyPr rtlCol="0" anchor="ctr"/>
+          <a:lstStyle/>
+          <a:p>
+            <a:pPr algn="ctr"/>
+            <a:endParaRPr lang="en-US"/>
+          </a:p>
+        </p:txBody>
+      </p:sp>
+      <p:pic>
+        <p:nvPicPr>
+          <p:cNvPr id="2" name="Picture 1"/>
+          <p:cNvPicPr>
+            <a:picLocks noChangeAspect="1"/>
+          </p:cNvPicPr>
+          <p:nvPr/>
+        </p:nvPicPr>
+        <p:blipFill>
+          <a:blip r:embed="rId3">
+            <a:extLst>
+              <a:ext uri="{28A0092B-C50C-407E-A947-70E740481C1C}">
+                <a14:useLocalDpi xmlns:a14="http://schemas.microsoft.com/office/drawing/2010/main" val="0"/>
+              </a:ext>
+            </a:extLst>
+          </a:blip>
+          <a:stretch>
+            <a:fillRect/>
+          </a:stretch>
+        </p:blipFill>
+        <p:spPr>
+          <a:xfrm>
+            <a:off x="643467" y="2011342"/>
+            <a:ext cx="10905066" cy="2835316"/>
+          </a:xfrm>
+          <a:prstGeom prst="rect">
+            <a:avLst/>
+          </a:prstGeom>
+        </p:spPr>
+      </p:pic>
+    </p:spTree>
+    <p:extLst>
+      <p:ext uri="{BB962C8B-B14F-4D97-AF65-F5344CB8AC3E}">
+        <p14:creationId xmlns:p14="http://schemas.microsoft.com/office/powerpoint/2010/main" val="1401427642"/>
+      </p:ext>
+    </p:extLst>
+  </p:cSld>
+  <p:clrMapOvr>
+    <a:masterClrMapping/>
+  </p:clrMapOvr>
+</p:sld>
+</file>
+
+<file path=ppt/slides/slide17.xml><?xml version="1.0" encoding="utf-8"?>
+<p:sld xmlns:a="http://schemas.openxmlformats.org/drawingml/2006/main" xmlns:r="http://schemas.openxmlformats.org/officeDocument/2006/relationships" xmlns:p="http://schemas.openxmlformats.org/presentationml/2006/main">
+  <p:cSld>
+    <p:spTree>
+      <p:nvGrpSpPr>
+        <p:cNvPr id="1" name=""/>
+        <p:cNvGrpSpPr/>
+        <p:nvPr/>
+      </p:nvGrpSpPr>
+      <p:grpSpPr>
+        <a:xfrm>
+          <a:off x="0" y="0"/>
+          <a:ext cx="0" cy="0"/>
+          <a:chOff x="0" y="0"/>
+          <a:chExt cx="0" cy="0"/>
+        </a:xfrm>
+      </p:grpSpPr>
+      <p:sp>
+        <p:nvSpPr>
+          <p:cNvPr id="12" name="Rectangle 11"/>
           <p:cNvSpPr>
             <a:spLocks noGrp="1" noRot="1" noChangeAspect="1" noMove="1" noResize="1" noEditPoints="1" noAdjustHandles="1" noChangeArrowheads="1" noChangeShapeType="1" noTextEdit="1"/>
           </p:cNvSpPr>
@@ -20803,7 +21043,7 @@
       </p:sp>
       <p:pic>
         <p:nvPicPr>
-          <p:cNvPr id="4" name="Picture 3"/>
+          <p:cNvPr id="3" name="Picture 2"/>
           <p:cNvPicPr>
             <a:picLocks noChangeAspect="1"/>
           </p:cNvPicPr>
@@ -20817,7 +21057,7 @@
               </a:ext>
             </a:extLst>
           </a:blip>
-          <a:srcRect r="11555" b="-1"/>
+          <a:srcRect r="9777" b="-1"/>
           <a:stretch/>
         </p:blipFill>
         <p:spPr>
@@ -20833,97 +21073,7 @@
     </p:spTree>
     <p:extLst>
       <p:ext uri="{BB962C8B-B14F-4D97-AF65-F5344CB8AC3E}">
-        <p14:creationId xmlns:p14="http://schemas.microsoft.com/office/powerpoint/2010/main" val="1109401016"/>
-      </p:ext>
-    </p:extLst>
-  </p:cSld>
-  <p:clrMapOvr>
-    <a:masterClrMapping/>
-  </p:clrMapOvr>
-</p:sld>
-</file>
-
-<file path=ppt/slides/slide17.xml><?xml version="1.0" encoding="utf-8"?>
-<p:sld xmlns:a="http://schemas.openxmlformats.org/drawingml/2006/main" xmlns:r="http://schemas.openxmlformats.org/officeDocument/2006/relationships" xmlns:p="http://schemas.openxmlformats.org/presentationml/2006/main">
-  <p:cSld>
-    <p:spTree>
-      <p:nvGrpSpPr>
-        <p:cNvPr id="1" name=""/>
-        <p:cNvGrpSpPr/>
-        <p:nvPr/>
-      </p:nvGrpSpPr>
-      <p:grpSpPr>
-        <a:xfrm>
-          <a:off x="0" y="0"/>
-          <a:ext cx="0" cy="0"/>
-          <a:chOff x="0" y="0"/>
-          <a:chExt cx="0" cy="0"/>
-        </a:xfrm>
-      </p:grpSpPr>
-      <p:sp>
-        <p:nvSpPr>
-          <p:cNvPr id="7" name="Rectangle 6"/>
-          <p:cNvSpPr>
-            <a:spLocks noGrp="1" noRot="1" noChangeAspect="1" noMove="1" noResize="1" noEditPoints="1" noAdjustHandles="1" noChangeArrowheads="1" noChangeShapeType="1" noTextEdit="1"/>
-          </p:cNvSpPr>
-          <p:nvPr>
-            <p:extLst>
-              <p:ext uri="{386F3935-93C4-4BCD-93E2-E3B085C9AB24}">
-                <p16:designElem xmlns:p16="http://schemas.microsoft.com/office/powerpoint/2015/main" val="1"/>
-              </p:ext>
-            </p:extLst>
-          </p:nvPr>
-        </p:nvSpPr>
-        <p:spPr bwMode="white">
-          <a:xfrm>
-            <a:off x="0" y="0"/>
-            <a:ext cx="12192000" cy="6858000"/>
-          </a:xfrm>
-          <a:prstGeom prst="rect">
-            <a:avLst/>
-          </a:prstGeom>
-          <a:solidFill>
-            <a:schemeClr val="bg1"/>
-          </a:solidFill>
-          <a:ln>
-            <a:noFill/>
-          </a:ln>
-          <a:effectLst/>
-        </p:spPr>
-      </p:sp>
-      <p:pic>
-        <p:nvPicPr>
-          <p:cNvPr id="2" name="Picture 1"/>
-          <p:cNvPicPr>
-            <a:picLocks noChangeAspect="1"/>
-          </p:cNvPicPr>
-          <p:nvPr/>
-        </p:nvPicPr>
-        <p:blipFill rotWithShape="1">
-          <a:blip r:embed="rId3">
-            <a:extLst>
-              <a:ext uri="{28A0092B-C50C-407E-A947-70E740481C1C}">
-                <a14:useLocalDpi xmlns:a14="http://schemas.microsoft.com/office/drawing/2010/main" val="0"/>
-              </a:ext>
-            </a:extLst>
-          </a:blip>
-          <a:srcRect b="3846"/>
-          <a:stretch/>
-        </p:blipFill>
-        <p:spPr>
-          <a:xfrm>
-            <a:off x="20" y="10"/>
-            <a:ext cx="12191980" cy="6857990"/>
-          </a:xfrm>
-          <a:prstGeom prst="rect">
-            <a:avLst/>
-          </a:prstGeom>
-        </p:spPr>
-      </p:pic>
-    </p:spTree>
-    <p:extLst>
-      <p:ext uri="{BB962C8B-B14F-4D97-AF65-F5344CB8AC3E}">
-        <p14:creationId xmlns:p14="http://schemas.microsoft.com/office/powerpoint/2010/main" val="3932836775"/>
+        <p14:creationId xmlns:p14="http://schemas.microsoft.com/office/powerpoint/2010/main" val="3197422200"/>
       </p:ext>
     </p:extLst>
   </p:cSld>
